--- a/Java Basics/UI Basic2.pptx
+++ b/Java Basics/UI Basic2.pptx
@@ -5,7 +5,7 @@
     <p:sldMasterId id="2147483648" r:id="rId1"/>
   </p:sldMasterIdLst>
   <p:notesMasterIdLst>
-    <p:notesMasterId r:id="rId12"/>
+    <p:notesMasterId r:id="rId13"/>
   </p:notesMasterIdLst>
   <p:sldIdLst>
     <p:sldId id="256" r:id="rId2"/>
@@ -16,8 +16,9 @@
     <p:sldId id="262" r:id="rId7"/>
     <p:sldId id="263" r:id="rId8"/>
     <p:sldId id="264" r:id="rId9"/>
-    <p:sldId id="266" r:id="rId10"/>
-    <p:sldId id="267" r:id="rId11"/>
+    <p:sldId id="268" r:id="rId10"/>
+    <p:sldId id="266" r:id="rId11"/>
+    <p:sldId id="267" r:id="rId12"/>
   </p:sldIdLst>
   <p:sldSz cx="12192000" cy="6858000"/>
   <p:notesSz cx="6858000" cy="9144000"/>
@@ -3791,6 +3792,97 @@
           <p:cNvPr id="2" name="标题 1">
             <a:extLst>
               <a:ext uri="{FF2B5EF4-FFF2-40B4-BE49-F238E27FC236}">
+                <a16:creationId xmlns:a16="http://schemas.microsoft.com/office/drawing/2014/main" id="{5FE753F6-3820-2C48-A51A-FEC20433767F}"/>
+              </a:ext>
+            </a:extLst>
+          </p:cNvPr>
+          <p:cNvSpPr>
+            <a:spLocks noGrp="1"/>
+          </p:cNvSpPr>
+          <p:nvPr>
+            <p:ph type="title"/>
+          </p:nvPr>
+        </p:nvSpPr>
+        <p:spPr/>
+        <p:txBody>
+          <a:bodyPr/>
+          <a:lstStyle/>
+          <a:p>
+            <a:r>
+              <a:rPr kumimoji="1" lang="en" altLang="zh-CN" dirty="0"/>
+              <a:t>Significance of package .json file.</a:t>
+            </a:r>
+            <a:endParaRPr kumimoji="1" lang="zh-CN" altLang="en-US" dirty="0"/>
+          </a:p>
+        </p:txBody>
+      </p:sp>
+      <p:sp>
+        <p:nvSpPr>
+          <p:cNvPr id="3" name="内容占位符 2">
+            <a:extLst>
+              <a:ext uri="{FF2B5EF4-FFF2-40B4-BE49-F238E27FC236}">
+                <a16:creationId xmlns:a16="http://schemas.microsoft.com/office/drawing/2014/main" id="{96960B39-D2EF-A94C-AE4D-F828A65D1850}"/>
+              </a:ext>
+            </a:extLst>
+          </p:cNvPr>
+          <p:cNvSpPr>
+            <a:spLocks noGrp="1"/>
+          </p:cNvSpPr>
+          <p:nvPr>
+            <p:ph idx="1"/>
+          </p:nvPr>
+        </p:nvSpPr>
+        <p:spPr/>
+        <p:txBody>
+          <a:bodyPr/>
+          <a:lstStyle/>
+          <a:p>
+            <a:r>
+              <a:rPr lang="en" altLang="zh-CN" b="0" i="0" dirty="0">
+                <a:effectLst/>
+                <a:latin typeface="BwSurcoRegular"/>
+              </a:rPr>
+              <a:t>It contains human-readable metadata about the project (like the project name and description) as well as functional metadata like the package version number and a list of dependencies required by the application.</a:t>
+            </a:r>
+            <a:endParaRPr kumimoji="1" lang="zh-CN" altLang="en-US" dirty="0"/>
+          </a:p>
+        </p:txBody>
+      </p:sp>
+    </p:spTree>
+    <p:extLst>
+      <p:ext uri="{BB962C8B-B14F-4D97-AF65-F5344CB8AC3E}">
+        <p14:creationId xmlns:p14="http://schemas.microsoft.com/office/powerpoint/2010/main" val="1216506619"/>
+      </p:ext>
+    </p:extLst>
+  </p:cSld>
+  <p:clrMapOvr>
+    <a:masterClrMapping/>
+  </p:clrMapOvr>
+</p:sld>
+</file>
+
+<file path=ppt/slides/slide11.xml><?xml version="1.0" encoding="utf-8"?>
+<p:sld xmlns:a="http://schemas.openxmlformats.org/drawingml/2006/main" xmlns:r="http://schemas.openxmlformats.org/officeDocument/2006/relationships" xmlns:p="http://schemas.openxmlformats.org/presentationml/2006/main">
+  <p:cSld>
+    <p:spTree>
+      <p:nvGrpSpPr>
+        <p:cNvPr id="1" name=""/>
+        <p:cNvGrpSpPr/>
+        <p:nvPr/>
+      </p:nvGrpSpPr>
+      <p:grpSpPr>
+        <a:xfrm>
+          <a:off x="0" y="0"/>
+          <a:ext cx="0" cy="0"/>
+          <a:chOff x="0" y="0"/>
+          <a:chExt cx="0" cy="0"/>
+        </a:xfrm>
+      </p:grpSpPr>
+      <p:sp>
+        <p:nvSpPr>
+          <p:cNvPr id="2" name="标题 1">
+            <a:extLst>
+              <a:ext uri="{FF2B5EF4-FFF2-40B4-BE49-F238E27FC236}">
                 <a16:creationId xmlns:a16="http://schemas.microsoft.com/office/drawing/2014/main" id="{B132D890-EDF1-5845-B22C-7D5044157BD2}"/>
               </a:ext>
             </a:extLst>
@@ -4279,6 +4371,81 @@
             </a:r>
           </a:p>
           <a:p>
+            <a:endParaRPr lang="en" altLang="zh-CN" sz="1800" b="0" i="0" u="none" strike="noStrike" dirty="0">
+              <a:solidFill>
+                <a:srgbClr val="000000"/>
+              </a:solidFill>
+              <a:effectLst/>
+              <a:latin typeface="Arial" panose="020B0604020202020204" pitchFamily="34" charset="0"/>
+            </a:endParaRPr>
+          </a:p>
+          <a:p>
+            <a:pPr marL="0" indent="0">
+              <a:buNone/>
+            </a:pPr>
+            <a:r>
+              <a:rPr lang="en" altLang="zh-CN" sz="1800" b="0" i="0" u="none" strike="noStrike" dirty="0">
+                <a:solidFill>
+                  <a:srgbClr val="000000"/>
+                </a:solidFill>
+                <a:effectLst/>
+                <a:latin typeface="Arial" panose="020B0604020202020204" pitchFamily="34" charset="0"/>
+              </a:rPr>
+              <a:t>Ng new </a:t>
+            </a:r>
+            <a:r>
+              <a:rPr lang="en" altLang="zh-CN" sz="1800" b="0" i="0" u="none" strike="noStrike" dirty="0" err="1">
+                <a:solidFill>
+                  <a:srgbClr val="000000"/>
+                </a:solidFill>
+                <a:effectLst/>
+                <a:latin typeface="Arial" panose="020B0604020202020204" pitchFamily="34" charset="0"/>
+              </a:rPr>
+              <a:t>employee_ui</a:t>
+            </a:r>
+            <a:br>
+              <a:rPr lang="en" altLang="zh-CN" b="0" dirty="0">
+                <a:effectLst/>
+              </a:rPr>
+            </a:br>
+            <a:r>
+              <a:rPr lang="en" altLang="zh-CN" sz="1800" b="0" i="0" u="none" strike="noStrike" dirty="0">
+                <a:solidFill>
+                  <a:srgbClr val="000000"/>
+                </a:solidFill>
+                <a:effectLst/>
+                <a:latin typeface="Arial" panose="020B0604020202020204" pitchFamily="34" charset="0"/>
+              </a:rPr>
+              <a:t>Cd </a:t>
+            </a:r>
+            <a:r>
+              <a:rPr lang="en" altLang="zh-CN" sz="1800" b="0" i="0" u="none" strike="noStrike" dirty="0" err="1">
+                <a:solidFill>
+                  <a:srgbClr val="000000"/>
+                </a:solidFill>
+                <a:effectLst/>
+                <a:latin typeface="Arial" panose="020B0604020202020204" pitchFamily="34" charset="0"/>
+              </a:rPr>
+              <a:t>employee_ui</a:t>
+            </a:r>
+            <a:br>
+              <a:rPr lang="en" altLang="zh-CN" b="0" dirty="0">
+                <a:effectLst/>
+              </a:rPr>
+            </a:br>
+            <a:r>
+              <a:rPr lang="en" altLang="zh-CN" sz="1800" b="0" i="0" u="none" strike="noStrike" dirty="0">
+                <a:solidFill>
+                  <a:srgbClr val="000000"/>
+                </a:solidFill>
+                <a:effectLst/>
+                <a:latin typeface="Arial" panose="020B0604020202020204" pitchFamily="34" charset="0"/>
+              </a:rPr>
+              <a:t>Ng serve</a:t>
+            </a:r>
+            <a:endParaRPr lang="en" altLang="zh-CN" dirty="0"/>
+          </a:p>
+          <a:p>
             <a:r>
               <a:rPr lang="en" altLang="zh-CN" dirty="0"/>
               <a:t>Ng generate component </a:t>
@@ -5148,7 +5315,7 @@
           <p:cNvPr id="2" name="标题 1">
             <a:extLst>
               <a:ext uri="{FF2B5EF4-FFF2-40B4-BE49-F238E27FC236}">
-                <a16:creationId xmlns:a16="http://schemas.microsoft.com/office/drawing/2014/main" id="{5FE753F6-3820-2C48-A51A-FEC20433767F}"/>
+                <a16:creationId xmlns:a16="http://schemas.microsoft.com/office/drawing/2014/main" id="{B5F9351A-21FD-8743-8B73-BF605C4F6211}"/>
               </a:ext>
             </a:extLst>
           </p:cNvPr>
@@ -5164,11 +5331,7 @@
           <a:bodyPr/>
           <a:lstStyle/>
           <a:p>
-            <a:r>
-              <a:rPr kumimoji="1" lang="en" altLang="zh-CN" dirty="0"/>
-              <a:t>Significance of package .json file.</a:t>
-            </a:r>
-            <a:endParaRPr kumimoji="1" lang="zh-CN" altLang="en-US" dirty="0"/>
+            <a:endParaRPr kumimoji="1" lang="zh-CN" altLang="en-US"/>
           </a:p>
         </p:txBody>
       </p:sp>
@@ -5177,7 +5340,7 @@
           <p:cNvPr id="3" name="内容占位符 2">
             <a:extLst>
               <a:ext uri="{FF2B5EF4-FFF2-40B4-BE49-F238E27FC236}">
-                <a16:creationId xmlns:a16="http://schemas.microsoft.com/office/drawing/2014/main" id="{96960B39-D2EF-A94C-AE4D-F828A65D1850}"/>
+                <a16:creationId xmlns:a16="http://schemas.microsoft.com/office/drawing/2014/main" id="{82CBEB3D-DC3F-5241-92F9-7D17D9A84A31}"/>
               </a:ext>
             </a:extLst>
           </p:cNvPr>
@@ -5195,10 +5358,34 @@
           <a:p>
             <a:r>
               <a:rPr lang="en" altLang="zh-CN" b="0" i="0" dirty="0">
-                <a:effectLst/>
-                <a:latin typeface="BwSurcoRegular"/>
-              </a:rPr>
-              <a:t>It contains human-readable metadata about the project (like the project name and description) as well as functional metadata like the package version number and a list of dependencies required by the application.</a:t>
+                <a:solidFill>
+                  <a:srgbClr val="222222"/>
+                </a:solidFill>
+                <a:effectLst/>
+                <a:latin typeface="Merriweather" pitchFamily="2" charset="0"/>
+              </a:rPr>
+              <a:t>In </a:t>
+            </a:r>
+            <a:r>
+              <a:rPr lang="en" altLang="zh-CN" b="0" i="0" u="none" strike="noStrike" dirty="0">
+                <a:solidFill>
+                  <a:srgbClr val="764ABC"/>
+                </a:solidFill>
+                <a:effectLst/>
+                <a:latin typeface="Merriweather" pitchFamily="2" charset="0"/>
+                <a:hlinkClick r:id="rId2"/>
+              </a:rPr>
+              <a:t>Angular</a:t>
+            </a:r>
+            <a:r>
+              <a:rPr lang="en" altLang="zh-CN" b="0" i="0" dirty="0">
+                <a:solidFill>
+                  <a:srgbClr val="222222"/>
+                </a:solidFill>
+                <a:effectLst/>
+                <a:latin typeface="Merriweather" pitchFamily="2" charset="0"/>
+              </a:rPr>
+              <a:t>, form controls are classes that can hold both the data values and the validation information of any form element. Every form input you have in a reactive form should be bound by a form control. These are the basic units that make up reactive forms.</a:t>
             </a:r>
             <a:endParaRPr kumimoji="1" lang="zh-CN" altLang="en-US" dirty="0"/>
           </a:p>
@@ -5207,7 +5394,7 @@
     </p:spTree>
     <p:extLst>
       <p:ext uri="{BB962C8B-B14F-4D97-AF65-F5344CB8AC3E}">
-        <p14:creationId xmlns:p14="http://schemas.microsoft.com/office/powerpoint/2010/main" val="1216506619"/>
+        <p14:creationId xmlns:p14="http://schemas.microsoft.com/office/powerpoint/2010/main" val="953844998"/>
       </p:ext>
     </p:extLst>
   </p:cSld>
